--- a/Project 3.pptx
+++ b/Project 3.pptx
@@ -10,10 +10,9 @@
     <p:sldId id="258" r:id="rId4"/>
     <p:sldId id="259" r:id="rId5"/>
     <p:sldId id="263" r:id="rId6"/>
-    <p:sldId id="260" r:id="rId7"/>
-    <p:sldId id="264" r:id="rId8"/>
-    <p:sldId id="261" r:id="rId9"/>
-    <p:sldId id="262" r:id="rId10"/>
+    <p:sldId id="261" r:id="rId7"/>
+    <p:sldId id="262" r:id="rId8"/>
+    <p:sldId id="264" r:id="rId9"/>
   </p:sldIdLst>
   <p:sldSz cx="12192000" cy="6858000"/>
   <p:notesSz cx="6858000" cy="9144000"/>
@@ -112,6 +111,11 @@
       </a:defRPr>
     </a:lvl9pPr>
   </p:defaultTextStyle>
+  <p:extLst>
+    <p:ext uri="{EFAFB233-063F-42B5-8137-9DF3F51BA10A}">
+      <p15:sldGuideLst xmlns:p15="http://schemas.microsoft.com/office/powerpoint/2012/main"/>
+    </p:ext>
+  </p:extLst>
 </p:presentation>
 </file>
 
@@ -262,7 +266,7 @@
           <a:p>
             <a:fld id="{CE76415F-451F-F741-A1E3-86AF5BCB960D}" type="datetimeFigureOut">
               <a:rPr lang="en-US" smtClean="0"/>
-              <a:t>2/19/21</a:t>
+              <a:t>2/22/21</a:t>
             </a:fld>
             <a:endParaRPr lang="en-US"/>
           </a:p>
@@ -460,7 +464,7 @@
           <a:p>
             <a:fld id="{CE76415F-451F-F741-A1E3-86AF5BCB960D}" type="datetimeFigureOut">
               <a:rPr lang="en-US" smtClean="0"/>
-              <a:t>2/19/21</a:t>
+              <a:t>2/22/21</a:t>
             </a:fld>
             <a:endParaRPr lang="en-US"/>
           </a:p>
@@ -668,7 +672,7 @@
           <a:p>
             <a:fld id="{CE76415F-451F-F741-A1E3-86AF5BCB960D}" type="datetimeFigureOut">
               <a:rPr lang="en-US" smtClean="0"/>
-              <a:t>2/19/21</a:t>
+              <a:t>2/22/21</a:t>
             </a:fld>
             <a:endParaRPr lang="en-US"/>
           </a:p>
@@ -866,7 +870,7 @@
           <a:p>
             <a:fld id="{CE76415F-451F-F741-A1E3-86AF5BCB960D}" type="datetimeFigureOut">
               <a:rPr lang="en-US" smtClean="0"/>
-              <a:t>2/19/21</a:t>
+              <a:t>2/22/21</a:t>
             </a:fld>
             <a:endParaRPr lang="en-US"/>
           </a:p>
@@ -1141,7 +1145,7 @@
           <a:p>
             <a:fld id="{CE76415F-451F-F741-A1E3-86AF5BCB960D}" type="datetimeFigureOut">
               <a:rPr lang="en-US" smtClean="0"/>
-              <a:t>2/19/21</a:t>
+              <a:t>2/22/21</a:t>
             </a:fld>
             <a:endParaRPr lang="en-US"/>
           </a:p>
@@ -1406,7 +1410,7 @@
           <a:p>
             <a:fld id="{CE76415F-451F-F741-A1E3-86AF5BCB960D}" type="datetimeFigureOut">
               <a:rPr lang="en-US" smtClean="0"/>
-              <a:t>2/19/21</a:t>
+              <a:t>2/22/21</a:t>
             </a:fld>
             <a:endParaRPr lang="en-US"/>
           </a:p>
@@ -1818,7 +1822,7 @@
           <a:p>
             <a:fld id="{CE76415F-451F-F741-A1E3-86AF5BCB960D}" type="datetimeFigureOut">
               <a:rPr lang="en-US" smtClean="0"/>
-              <a:t>2/19/21</a:t>
+              <a:t>2/22/21</a:t>
             </a:fld>
             <a:endParaRPr lang="en-US"/>
           </a:p>
@@ -1959,7 +1963,7 @@
           <a:p>
             <a:fld id="{CE76415F-451F-F741-A1E3-86AF5BCB960D}" type="datetimeFigureOut">
               <a:rPr lang="en-US" smtClean="0"/>
-              <a:t>2/19/21</a:t>
+              <a:t>2/22/21</a:t>
             </a:fld>
             <a:endParaRPr lang="en-US"/>
           </a:p>
@@ -2072,7 +2076,7 @@
           <a:p>
             <a:fld id="{CE76415F-451F-F741-A1E3-86AF5BCB960D}" type="datetimeFigureOut">
               <a:rPr lang="en-US" smtClean="0"/>
-              <a:t>2/19/21</a:t>
+              <a:t>2/22/21</a:t>
             </a:fld>
             <a:endParaRPr lang="en-US"/>
           </a:p>
@@ -2383,7 +2387,7 @@
           <a:p>
             <a:fld id="{CE76415F-451F-F741-A1E3-86AF5BCB960D}" type="datetimeFigureOut">
               <a:rPr lang="en-US" smtClean="0"/>
-              <a:t>2/19/21</a:t>
+              <a:t>2/22/21</a:t>
             </a:fld>
             <a:endParaRPr lang="en-US"/>
           </a:p>
@@ -2671,7 +2675,7 @@
           <a:p>
             <a:fld id="{CE76415F-451F-F741-A1E3-86AF5BCB960D}" type="datetimeFigureOut">
               <a:rPr lang="en-US" smtClean="0"/>
-              <a:t>2/19/21</a:t>
+              <a:t>2/22/21</a:t>
             </a:fld>
             <a:endParaRPr lang="en-US"/>
           </a:p>
@@ -2912,7 +2916,7 @@
           <a:p>
             <a:fld id="{CE76415F-451F-F741-A1E3-86AF5BCB960D}" type="datetimeFigureOut">
               <a:rPr lang="en-US" smtClean="0"/>
-              <a:t>2/19/21</a:t>
+              <a:t>2/22/21</a:t>
             </a:fld>
             <a:endParaRPr lang="en-US"/>
           </a:p>
@@ -3726,41 +3730,6 @@
       </p:grpSpPr>
       <p:sp>
         <p:nvSpPr>
-          <p:cNvPr id="4" name="TextBox 3">
-            <a:extLst>
-              <a:ext uri="{FF2B5EF4-FFF2-40B4-BE49-F238E27FC236}">
-                <a16:creationId xmlns:a16="http://schemas.microsoft.com/office/drawing/2014/main" id="{65E9C9FE-BD66-4F4D-822F-C134F8C7DFC9}"/>
-              </a:ext>
-            </a:extLst>
-          </p:cNvPr>
-          <p:cNvSpPr txBox="1"/>
-          <p:nvPr/>
-        </p:nvSpPr>
-        <p:spPr>
-          <a:xfrm>
-            <a:off x="8637373" y="3023855"/>
-            <a:ext cx="2848303" cy="2585323"/>
-          </a:xfrm>
-          <a:prstGeom prst="rect">
-            <a:avLst/>
-          </a:prstGeom>
-          <a:noFill/>
-        </p:spPr>
-        <p:txBody>
-          <a:bodyPr wrap="square" rtlCol="0">
-            <a:spAutoFit/>
-          </a:bodyPr>
-          <a:lstStyle/>
-          <a:p>
-            <a:endParaRPr lang="en-US" dirty="0"/>
-          </a:p>
-          <a:p>
-            <a:endParaRPr lang="en-US" dirty="0"/>
-          </a:p>
-        </p:txBody>
-      </p:sp>
-      <p:sp>
-        <p:nvSpPr>
           <p:cNvPr id="5" name="TextBox 4">
             <a:extLst>
               <a:ext uri="{FF2B5EF4-FFF2-40B4-BE49-F238E27FC236}">
@@ -3781,9 +3750,7 @@
           </a:prstGeom>
           <a:noFill/>
           <a:ln>
-            <a:solidFill>
-              <a:schemeClr val="accent1"/>
-            </a:solidFill>
+            <a:noFill/>
           </a:ln>
         </p:spPr>
         <p:txBody>
@@ -3878,7 +3845,7 @@
         </p:nvSpPr>
         <p:spPr>
           <a:xfrm>
-            <a:off x="5609968" y="-1"/>
+            <a:off x="3856119" y="-1"/>
             <a:ext cx="5449329" cy="6858001"/>
           </a:xfrm>
           <a:prstGeom prst="roundRect">
@@ -3924,7 +3891,7 @@
         </p:nvSpPr>
         <p:spPr>
           <a:xfrm>
-            <a:off x="5609968" y="0"/>
+            <a:off x="3856119" y="0"/>
             <a:ext cx="5449329" cy="979272"/>
           </a:xfrm>
           <a:prstGeom prst="roundRect">
@@ -3980,7 +3947,7 @@
         </p:nvSpPr>
         <p:spPr>
           <a:xfrm>
-            <a:off x="5609967" y="5878728"/>
+            <a:off x="3856118" y="5878728"/>
             <a:ext cx="5449329" cy="979272"/>
           </a:xfrm>
           <a:prstGeom prst="roundRect">
@@ -4036,7 +4003,7 @@
         </p:nvSpPr>
         <p:spPr>
           <a:xfrm>
-            <a:off x="8474674" y="0"/>
+            <a:off x="6720825" y="0"/>
             <a:ext cx="2584622" cy="370703"/>
           </a:xfrm>
           <a:prstGeom prst="roundRect">
@@ -4090,7 +4057,7 @@
         </p:nvSpPr>
         <p:spPr>
           <a:xfrm>
-            <a:off x="5609967" y="979272"/>
+            <a:off x="3856118" y="979272"/>
             <a:ext cx="2584622" cy="2864644"/>
           </a:xfrm>
           <a:prstGeom prst="roundRect">
@@ -4153,7 +4120,7 @@
         </p:nvSpPr>
         <p:spPr>
           <a:xfrm>
-            <a:off x="6902278" y="2525311"/>
+            <a:off x="5148429" y="2525311"/>
             <a:ext cx="2584622" cy="2864644"/>
           </a:xfrm>
           <a:prstGeom prst="roundRect">
@@ -4216,7 +4183,7 @@
         </p:nvSpPr>
         <p:spPr>
           <a:xfrm>
-            <a:off x="1511643" y="2411594"/>
+            <a:off x="402371" y="2525311"/>
             <a:ext cx="2584622" cy="2864644"/>
           </a:xfrm>
           <a:prstGeom prst="roundRect">
@@ -4292,41 +4259,6 @@
       </p:grpSpPr>
       <p:sp>
         <p:nvSpPr>
-          <p:cNvPr id="4" name="TextBox 3">
-            <a:extLst>
-              <a:ext uri="{FF2B5EF4-FFF2-40B4-BE49-F238E27FC236}">
-                <a16:creationId xmlns:a16="http://schemas.microsoft.com/office/drawing/2014/main" id="{65E9C9FE-BD66-4F4D-822F-C134F8C7DFC9}"/>
-              </a:ext>
-            </a:extLst>
-          </p:cNvPr>
-          <p:cNvSpPr txBox="1"/>
-          <p:nvPr/>
-        </p:nvSpPr>
-        <p:spPr>
-          <a:xfrm>
-            <a:off x="3410465" y="3023855"/>
-            <a:ext cx="2848303" cy="2585323"/>
-          </a:xfrm>
-          <a:prstGeom prst="rect">
-            <a:avLst/>
-          </a:prstGeom>
-          <a:noFill/>
-        </p:spPr>
-        <p:txBody>
-          <a:bodyPr wrap="square" rtlCol="0">
-            <a:spAutoFit/>
-          </a:bodyPr>
-          <a:lstStyle/>
-          <a:p>
-            <a:endParaRPr lang="en-US" dirty="0"/>
-          </a:p>
-          <a:p>
-            <a:endParaRPr lang="en-US" dirty="0"/>
-          </a:p>
-        </p:txBody>
-      </p:sp>
-      <p:sp>
-        <p:nvSpPr>
           <p:cNvPr id="2" name="Rounded Rectangle 1">
             <a:extLst>
               <a:ext uri="{FF2B5EF4-FFF2-40B4-BE49-F238E27FC236}">
@@ -4339,7 +4271,7 @@
         </p:nvSpPr>
         <p:spPr>
           <a:xfrm>
-            <a:off x="383060" y="-1"/>
+            <a:off x="1082456" y="-1372"/>
             <a:ext cx="5449329" cy="6858001"/>
           </a:xfrm>
           <a:prstGeom prst="roundRect">
@@ -4385,7 +4317,7 @@
         </p:nvSpPr>
         <p:spPr>
           <a:xfrm>
-            <a:off x="383060" y="0"/>
+            <a:off x="1082456" y="-1371"/>
             <a:ext cx="5449329" cy="979272"/>
           </a:xfrm>
           <a:prstGeom prst="roundRect">
@@ -4437,7 +4369,7 @@
         </p:nvSpPr>
         <p:spPr>
           <a:xfrm>
-            <a:off x="383059" y="5878728"/>
+            <a:off x="1082455" y="5877357"/>
             <a:ext cx="5449329" cy="979272"/>
           </a:xfrm>
           <a:prstGeom prst="roundRect">
@@ -4489,7 +4421,7 @@
         </p:nvSpPr>
         <p:spPr>
           <a:xfrm>
-            <a:off x="3247766" y="0"/>
+            <a:off x="3947162" y="-1371"/>
             <a:ext cx="2584622" cy="370703"/>
           </a:xfrm>
           <a:prstGeom prst="roundRect">
@@ -4543,7 +4475,7 @@
         </p:nvSpPr>
         <p:spPr>
           <a:xfrm>
-            <a:off x="405947" y="962583"/>
+            <a:off x="1105343" y="961212"/>
             <a:ext cx="5426441" cy="4916145"/>
           </a:xfrm>
           <a:prstGeom prst="roundRect">
@@ -4696,7 +4628,7 @@
         </p:nvSpPr>
         <p:spPr>
           <a:xfrm>
-            <a:off x="6527178" y="-1"/>
+            <a:off x="6742671" y="16688"/>
             <a:ext cx="5449329" cy="6858001"/>
           </a:xfrm>
           <a:prstGeom prst="roundRect">
@@ -4742,7 +4674,7 @@
         </p:nvSpPr>
         <p:spPr>
           <a:xfrm>
-            <a:off x="6527178" y="0"/>
+            <a:off x="6742671" y="16689"/>
             <a:ext cx="5449329" cy="979272"/>
           </a:xfrm>
           <a:prstGeom prst="roundRect">
@@ -4794,7 +4726,7 @@
         </p:nvSpPr>
         <p:spPr>
           <a:xfrm>
-            <a:off x="6527177" y="5878728"/>
+            <a:off x="6742670" y="5895417"/>
             <a:ext cx="5449329" cy="979272"/>
           </a:xfrm>
           <a:prstGeom prst="roundRect">
@@ -4846,7 +4778,7 @@
         </p:nvSpPr>
         <p:spPr>
           <a:xfrm>
-            <a:off x="9391884" y="0"/>
+            <a:off x="9607377" y="16689"/>
             <a:ext cx="2584622" cy="370703"/>
           </a:xfrm>
           <a:prstGeom prst="roundRect">
@@ -4900,7 +4832,7 @@
         </p:nvSpPr>
         <p:spPr>
           <a:xfrm>
-            <a:off x="6550065" y="962583"/>
+            <a:off x="6765558" y="979272"/>
             <a:ext cx="5426441" cy="4916145"/>
           </a:xfrm>
           <a:prstGeom prst="roundRect">
@@ -5094,41 +5026,6 @@
       </p:grpSpPr>
       <p:sp>
         <p:nvSpPr>
-          <p:cNvPr id="4" name="TextBox 3">
-            <a:extLst>
-              <a:ext uri="{FF2B5EF4-FFF2-40B4-BE49-F238E27FC236}">
-                <a16:creationId xmlns:a16="http://schemas.microsoft.com/office/drawing/2014/main" id="{65E9C9FE-BD66-4F4D-822F-C134F8C7DFC9}"/>
-              </a:ext>
-            </a:extLst>
-          </p:cNvPr>
-          <p:cNvSpPr txBox="1"/>
-          <p:nvPr/>
-        </p:nvSpPr>
-        <p:spPr>
-          <a:xfrm>
-            <a:off x="3410465" y="3023855"/>
-            <a:ext cx="2848303" cy="2585323"/>
-          </a:xfrm>
-          <a:prstGeom prst="rect">
-            <a:avLst/>
-          </a:prstGeom>
-          <a:noFill/>
-        </p:spPr>
-        <p:txBody>
-          <a:bodyPr wrap="square" rtlCol="0">
-            <a:spAutoFit/>
-          </a:bodyPr>
-          <a:lstStyle/>
-          <a:p>
-            <a:endParaRPr lang="en-US" dirty="0"/>
-          </a:p>
-          <a:p>
-            <a:endParaRPr lang="en-US" dirty="0"/>
-          </a:p>
-        </p:txBody>
-      </p:sp>
-      <p:sp>
-        <p:nvSpPr>
           <p:cNvPr id="2" name="Rounded Rectangle 1">
             <a:extLst>
               <a:ext uri="{FF2B5EF4-FFF2-40B4-BE49-F238E27FC236}">
@@ -5141,7 +5038,7 @@
         </p:nvSpPr>
         <p:spPr>
           <a:xfrm>
-            <a:off x="383060" y="-1"/>
+            <a:off x="1172830" y="-1372"/>
             <a:ext cx="5449329" cy="6858001"/>
           </a:xfrm>
           <a:prstGeom prst="roundRect">
@@ -5187,7 +5084,7 @@
         </p:nvSpPr>
         <p:spPr>
           <a:xfrm>
-            <a:off x="383060" y="0"/>
+            <a:off x="1172830" y="-1371"/>
             <a:ext cx="5449329" cy="979272"/>
           </a:xfrm>
           <a:prstGeom prst="roundRect">
@@ -5239,7 +5136,7 @@
         </p:nvSpPr>
         <p:spPr>
           <a:xfrm>
-            <a:off x="383059" y="5878728"/>
+            <a:off x="1172829" y="5877357"/>
             <a:ext cx="5449329" cy="979272"/>
           </a:xfrm>
           <a:prstGeom prst="roundRect">
@@ -5291,7 +5188,7 @@
         </p:nvSpPr>
         <p:spPr>
           <a:xfrm>
-            <a:off x="3247766" y="0"/>
+            <a:off x="4037536" y="-1371"/>
             <a:ext cx="2584622" cy="370703"/>
           </a:xfrm>
           <a:prstGeom prst="roundRect">
@@ -5345,7 +5242,7 @@
         </p:nvSpPr>
         <p:spPr>
           <a:xfrm>
-            <a:off x="405947" y="962583"/>
+            <a:off x="1195717" y="961212"/>
             <a:ext cx="5426441" cy="4916145"/>
           </a:xfrm>
           <a:prstGeom prst="roundRect">
@@ -5442,7 +5339,7 @@
         </p:nvSpPr>
         <p:spPr>
           <a:xfrm>
-            <a:off x="6527178" y="-1"/>
+            <a:off x="6824639" y="0"/>
             <a:ext cx="5449329" cy="6858001"/>
           </a:xfrm>
           <a:prstGeom prst="roundRect">
@@ -5488,7 +5385,7 @@
         </p:nvSpPr>
         <p:spPr>
           <a:xfrm>
-            <a:off x="6527178" y="0"/>
+            <a:off x="6824639" y="1"/>
             <a:ext cx="5449329" cy="979272"/>
           </a:xfrm>
           <a:prstGeom prst="roundRect">
@@ -5540,7 +5437,7 @@
         </p:nvSpPr>
         <p:spPr>
           <a:xfrm>
-            <a:off x="6527177" y="5878728"/>
+            <a:off x="6824638" y="5878729"/>
             <a:ext cx="5449329" cy="979272"/>
           </a:xfrm>
           <a:prstGeom prst="roundRect">
@@ -5592,7 +5489,7 @@
         </p:nvSpPr>
         <p:spPr>
           <a:xfrm>
-            <a:off x="9391884" y="0"/>
+            <a:off x="9689345" y="1"/>
             <a:ext cx="2584622" cy="370703"/>
           </a:xfrm>
           <a:prstGeom prst="roundRect">
@@ -5646,7 +5543,7 @@
         </p:nvSpPr>
         <p:spPr>
           <a:xfrm>
-            <a:off x="6550065" y="962583"/>
+            <a:off x="6847526" y="962584"/>
             <a:ext cx="5426441" cy="4916145"/>
           </a:xfrm>
           <a:prstGeom prst="roundRect">
@@ -5743,7 +5640,7 @@
         </p:nvSpPr>
         <p:spPr>
           <a:xfrm>
-            <a:off x="871831" y="2074391"/>
+            <a:off x="1661601" y="2073020"/>
             <a:ext cx="1050324" cy="1050324"/>
           </a:xfrm>
           <a:prstGeom prst="rect">
@@ -5806,7 +5703,7 @@
         </p:nvSpPr>
         <p:spPr>
           <a:xfrm>
-            <a:off x="3347109" y="3428999"/>
+            <a:off x="4136879" y="3427628"/>
             <a:ext cx="1050324" cy="1050324"/>
           </a:xfrm>
           <a:prstGeom prst="rect">
@@ -5852,7 +5749,7 @@
         </p:nvSpPr>
         <p:spPr>
           <a:xfrm>
-            <a:off x="2111692" y="3428999"/>
+            <a:off x="2901462" y="3427628"/>
             <a:ext cx="1050324" cy="1050324"/>
           </a:xfrm>
           <a:prstGeom prst="rect">
@@ -5898,7 +5795,7 @@
         </p:nvSpPr>
         <p:spPr>
           <a:xfrm>
-            <a:off x="2092137" y="2074391"/>
+            <a:off x="2881907" y="2073020"/>
             <a:ext cx="1050324" cy="1050324"/>
           </a:xfrm>
           <a:prstGeom prst="rect">
@@ -5944,7 +5841,7 @@
         </p:nvSpPr>
         <p:spPr>
           <a:xfrm>
-            <a:off x="3347109" y="2074391"/>
+            <a:off x="4136879" y="2073020"/>
             <a:ext cx="1050324" cy="1050324"/>
           </a:xfrm>
           <a:prstGeom prst="rect">
@@ -5990,7 +5887,7 @@
         </p:nvSpPr>
         <p:spPr>
           <a:xfrm>
-            <a:off x="868119" y="3413161"/>
+            <a:off x="1657889" y="3411790"/>
             <a:ext cx="1050324" cy="1050324"/>
           </a:xfrm>
           <a:prstGeom prst="rect">
@@ -6036,7 +5933,7 @@
         </p:nvSpPr>
         <p:spPr>
           <a:xfrm>
-            <a:off x="6736217" y="1887117"/>
+            <a:off x="7033678" y="1887118"/>
             <a:ext cx="1603831" cy="2003338"/>
           </a:xfrm>
           <a:prstGeom prst="rect">
@@ -6085,7 +5982,7 @@
         </p:nvSpPr>
         <p:spPr>
           <a:xfrm>
-            <a:off x="8526200" y="1889040"/>
+            <a:off x="8823661" y="1889041"/>
             <a:ext cx="1603831" cy="2003338"/>
           </a:xfrm>
           <a:prstGeom prst="rect">
@@ -6148,7 +6045,7 @@
         </p:nvSpPr>
         <p:spPr>
           <a:xfrm>
-            <a:off x="6736217" y="3969214"/>
+            <a:off x="7033678" y="3969215"/>
             <a:ext cx="3393814" cy="1639964"/>
           </a:xfrm>
           <a:prstGeom prst="rect">
@@ -6197,7 +6094,7 @@
         </p:nvSpPr>
         <p:spPr>
           <a:xfrm>
-            <a:off x="10290708" y="1887410"/>
+            <a:off x="10588169" y="1887411"/>
             <a:ext cx="1603831" cy="3721767"/>
           </a:xfrm>
           <a:prstGeom prst="rect">
@@ -7130,6 +7027,47 @@
           </a:p>
         </p:txBody>
       </p:sp>
+      <p:sp>
+        <p:nvSpPr>
+          <p:cNvPr id="21" name="TextBox 20">
+            <a:extLst>
+              <a:ext uri="{FF2B5EF4-FFF2-40B4-BE49-F238E27FC236}">
+                <a16:creationId xmlns:a16="http://schemas.microsoft.com/office/drawing/2014/main" id="{CADDABC4-527A-EE40-802D-08F0C673C33C}"/>
+              </a:ext>
+            </a:extLst>
+          </p:cNvPr>
+          <p:cNvSpPr txBox="1"/>
+          <p:nvPr/>
+        </p:nvSpPr>
+        <p:spPr>
+          <a:xfrm>
+            <a:off x="0" y="0"/>
+            <a:ext cx="2458387" cy="923330"/>
+          </a:xfrm>
+          <a:prstGeom prst="rect">
+            <a:avLst/>
+          </a:prstGeom>
+          <a:noFill/>
+          <a:ln>
+            <a:noFill/>
+          </a:ln>
+        </p:spPr>
+        <p:txBody>
+          <a:bodyPr wrap="square" rtlCol="0">
+            <a:spAutoFit/>
+          </a:bodyPr>
+          <a:lstStyle/>
+          <a:p>
+            <a:r>
+              <a:rPr lang="en-US" sz="3600" b="1" dirty="0"/>
+              <a:t>Detail view</a:t>
+            </a:r>
+          </a:p>
+          <a:p>
+            <a:endParaRPr lang="en-US" dirty="0"/>
+          </a:p>
+        </p:txBody>
+      </p:sp>
     </p:spTree>
     <p:extLst>
       <p:ext uri="{BB962C8B-B14F-4D97-AF65-F5344CB8AC3E}">
@@ -7160,595 +7098,6 @@
           <a:chExt cx="0" cy="0"/>
         </a:xfrm>
       </p:grpSpPr>
-      <p:sp>
-        <p:nvSpPr>
-          <p:cNvPr id="4" name="TextBox 3">
-            <a:extLst>
-              <a:ext uri="{FF2B5EF4-FFF2-40B4-BE49-F238E27FC236}">
-                <a16:creationId xmlns:a16="http://schemas.microsoft.com/office/drawing/2014/main" id="{65E9C9FE-BD66-4F4D-822F-C134F8C7DFC9}"/>
-              </a:ext>
-            </a:extLst>
-          </p:cNvPr>
-          <p:cNvSpPr txBox="1"/>
-          <p:nvPr/>
-        </p:nvSpPr>
-        <p:spPr>
-          <a:xfrm>
-            <a:off x="3892379" y="3023855"/>
-            <a:ext cx="2848303" cy="2585323"/>
-          </a:xfrm>
-          <a:prstGeom prst="rect">
-            <a:avLst/>
-          </a:prstGeom>
-          <a:noFill/>
-        </p:spPr>
-        <p:txBody>
-          <a:bodyPr wrap="square" rtlCol="0">
-            <a:spAutoFit/>
-          </a:bodyPr>
-          <a:lstStyle/>
-          <a:p>
-            <a:endParaRPr lang="en-US" dirty="0"/>
-          </a:p>
-          <a:p>
-            <a:endParaRPr lang="en-US" dirty="0"/>
-          </a:p>
-        </p:txBody>
-      </p:sp>
-      <p:sp>
-        <p:nvSpPr>
-          <p:cNvPr id="2" name="Rounded Rectangle 1">
-            <a:extLst>
-              <a:ext uri="{FF2B5EF4-FFF2-40B4-BE49-F238E27FC236}">
-                <a16:creationId xmlns:a16="http://schemas.microsoft.com/office/drawing/2014/main" id="{D4EABE4A-3E05-9C41-8FD4-8546AF6FD0E4}"/>
-              </a:ext>
-            </a:extLst>
-          </p:cNvPr>
-          <p:cNvSpPr/>
-          <p:nvPr/>
-        </p:nvSpPr>
-        <p:spPr>
-          <a:xfrm>
-            <a:off x="864974" y="-1"/>
-            <a:ext cx="5449329" cy="6858001"/>
-          </a:xfrm>
-          <a:prstGeom prst="roundRect">
-            <a:avLst/>
-          </a:prstGeom>
-        </p:spPr>
-        <p:style>
-          <a:lnRef idx="2">
-            <a:schemeClr val="accent1">
-              <a:shade val="50000"/>
-            </a:schemeClr>
-          </a:lnRef>
-          <a:fillRef idx="1">
-            <a:schemeClr val="accent1"/>
-          </a:fillRef>
-          <a:effectRef idx="0">
-            <a:schemeClr val="accent1"/>
-          </a:effectRef>
-          <a:fontRef idx="minor">
-            <a:schemeClr val="lt1"/>
-          </a:fontRef>
-        </p:style>
-        <p:txBody>
-          <a:bodyPr rtlCol="0" anchor="ctr"/>
-          <a:lstStyle/>
-          <a:p>
-            <a:pPr algn="ctr"/>
-            <a:endParaRPr lang="en-US"/>
-          </a:p>
-        </p:txBody>
-      </p:sp>
-      <p:sp>
-        <p:nvSpPr>
-          <p:cNvPr id="3" name="Rounded Rectangle 2">
-            <a:extLst>
-              <a:ext uri="{FF2B5EF4-FFF2-40B4-BE49-F238E27FC236}">
-                <a16:creationId xmlns:a16="http://schemas.microsoft.com/office/drawing/2014/main" id="{641468AF-356E-4147-939B-EC4D007FD31C}"/>
-              </a:ext>
-            </a:extLst>
-          </p:cNvPr>
-          <p:cNvSpPr/>
-          <p:nvPr/>
-        </p:nvSpPr>
-        <p:spPr>
-          <a:xfrm>
-            <a:off x="864974" y="0"/>
-            <a:ext cx="5449329" cy="979272"/>
-          </a:xfrm>
-          <a:prstGeom prst="roundRect">
-            <a:avLst/>
-          </a:prstGeom>
-          <a:solidFill>
-            <a:schemeClr val="accent2"/>
-          </a:solidFill>
-        </p:spPr>
-        <p:style>
-          <a:lnRef idx="2">
-            <a:schemeClr val="accent1">
-              <a:shade val="50000"/>
-            </a:schemeClr>
-          </a:lnRef>
-          <a:fillRef idx="1">
-            <a:schemeClr val="accent1"/>
-          </a:fillRef>
-          <a:effectRef idx="0">
-            <a:schemeClr val="accent1"/>
-          </a:effectRef>
-          <a:fontRef idx="minor">
-            <a:schemeClr val="lt1"/>
-          </a:fontRef>
-        </p:style>
-        <p:txBody>
-          <a:bodyPr rtlCol="0" anchor="ctr"/>
-          <a:lstStyle/>
-          <a:p>
-            <a:pPr algn="ctr"/>
-            <a:r>
-              <a:rPr lang="en-US" dirty="0"/>
-              <a:t>Header</a:t>
-            </a:r>
-          </a:p>
-        </p:txBody>
-      </p:sp>
-      <p:sp>
-        <p:nvSpPr>
-          <p:cNvPr id="8" name="Rounded Rectangle 7">
-            <a:extLst>
-              <a:ext uri="{FF2B5EF4-FFF2-40B4-BE49-F238E27FC236}">
-                <a16:creationId xmlns:a16="http://schemas.microsoft.com/office/drawing/2014/main" id="{4F0D1179-AB6A-DA4D-9F3C-5497AC2A9BC5}"/>
-              </a:ext>
-            </a:extLst>
-          </p:cNvPr>
-          <p:cNvSpPr/>
-          <p:nvPr/>
-        </p:nvSpPr>
-        <p:spPr>
-          <a:xfrm>
-            <a:off x="864973" y="5878728"/>
-            <a:ext cx="5449329" cy="979272"/>
-          </a:xfrm>
-          <a:prstGeom prst="roundRect">
-            <a:avLst/>
-          </a:prstGeom>
-          <a:solidFill>
-            <a:schemeClr val="accent2"/>
-          </a:solidFill>
-        </p:spPr>
-        <p:style>
-          <a:lnRef idx="2">
-            <a:schemeClr val="accent1">
-              <a:shade val="50000"/>
-            </a:schemeClr>
-          </a:lnRef>
-          <a:fillRef idx="1">
-            <a:schemeClr val="accent1"/>
-          </a:fillRef>
-          <a:effectRef idx="0">
-            <a:schemeClr val="accent1"/>
-          </a:effectRef>
-          <a:fontRef idx="minor">
-            <a:schemeClr val="lt1"/>
-          </a:fontRef>
-        </p:style>
-        <p:txBody>
-          <a:bodyPr rtlCol="0" anchor="ctr"/>
-          <a:lstStyle/>
-          <a:p>
-            <a:pPr algn="ctr"/>
-            <a:r>
-              <a:rPr lang="en-US" dirty="0"/>
-              <a:t>Footer</a:t>
-            </a:r>
-          </a:p>
-        </p:txBody>
-      </p:sp>
-      <p:sp>
-        <p:nvSpPr>
-          <p:cNvPr id="9" name="Rounded Rectangle 8">
-            <a:extLst>
-              <a:ext uri="{FF2B5EF4-FFF2-40B4-BE49-F238E27FC236}">
-                <a16:creationId xmlns:a16="http://schemas.microsoft.com/office/drawing/2014/main" id="{1276926D-6F4F-2446-BF5D-61C58305F535}"/>
-              </a:ext>
-            </a:extLst>
-          </p:cNvPr>
-          <p:cNvSpPr/>
-          <p:nvPr/>
-        </p:nvSpPr>
-        <p:spPr>
-          <a:xfrm>
-            <a:off x="3729680" y="0"/>
-            <a:ext cx="2584622" cy="370703"/>
-          </a:xfrm>
-          <a:prstGeom prst="roundRect">
-            <a:avLst/>
-          </a:prstGeom>
-          <a:solidFill>
-            <a:schemeClr val="accent6">
-              <a:lumMod val="75000"/>
-            </a:schemeClr>
-          </a:solidFill>
-        </p:spPr>
-        <p:style>
-          <a:lnRef idx="2">
-            <a:schemeClr val="accent1">
-              <a:shade val="50000"/>
-            </a:schemeClr>
-          </a:lnRef>
-          <a:fillRef idx="1">
-            <a:schemeClr val="accent1"/>
-          </a:fillRef>
-          <a:effectRef idx="0">
-            <a:schemeClr val="accent1"/>
-          </a:effectRef>
-          <a:fontRef idx="minor">
-            <a:schemeClr val="lt1"/>
-          </a:fontRef>
-        </p:style>
-        <p:txBody>
-          <a:bodyPr rtlCol="0" anchor="ctr"/>
-          <a:lstStyle/>
-          <a:p>
-            <a:pPr algn="ctr"/>
-            <a:r>
-              <a:rPr lang="en-US" dirty="0"/>
-              <a:t>Nav</a:t>
-            </a:r>
-          </a:p>
-        </p:txBody>
-      </p:sp>
-      <p:sp>
-        <p:nvSpPr>
-          <p:cNvPr id="13" name="Rounded Rectangle 12">
-            <a:extLst>
-              <a:ext uri="{FF2B5EF4-FFF2-40B4-BE49-F238E27FC236}">
-                <a16:creationId xmlns:a16="http://schemas.microsoft.com/office/drawing/2014/main" id="{FC5E569D-A8F8-2F44-BA5F-E597C26AC500}"/>
-              </a:ext>
-            </a:extLst>
-          </p:cNvPr>
-          <p:cNvSpPr/>
-          <p:nvPr/>
-        </p:nvSpPr>
-        <p:spPr>
-          <a:xfrm>
-            <a:off x="6429634" y="979272"/>
-            <a:ext cx="5449329" cy="979272"/>
-          </a:xfrm>
-          <a:prstGeom prst="roundRect">
-            <a:avLst/>
-          </a:prstGeom>
-          <a:solidFill>
-            <a:schemeClr val="accent2"/>
-          </a:solidFill>
-        </p:spPr>
-        <p:style>
-          <a:lnRef idx="2">
-            <a:schemeClr val="accent1">
-              <a:shade val="50000"/>
-            </a:schemeClr>
-          </a:lnRef>
-          <a:fillRef idx="1">
-            <a:schemeClr val="accent1"/>
-          </a:fillRef>
-          <a:effectRef idx="0">
-            <a:schemeClr val="accent1"/>
-          </a:effectRef>
-          <a:fontRef idx="minor">
-            <a:schemeClr val="lt1"/>
-          </a:fontRef>
-        </p:style>
-        <p:txBody>
-          <a:bodyPr rtlCol="0" anchor="ctr"/>
-          <a:lstStyle/>
-          <a:p>
-            <a:pPr algn="ctr"/>
-            <a:r>
-              <a:rPr lang="en-US" dirty="0"/>
-              <a:t>Header</a:t>
-            </a:r>
-          </a:p>
-        </p:txBody>
-      </p:sp>
-      <p:sp>
-        <p:nvSpPr>
-          <p:cNvPr id="6" name="Rectangle 5">
-            <a:extLst>
-              <a:ext uri="{FF2B5EF4-FFF2-40B4-BE49-F238E27FC236}">
-                <a16:creationId xmlns:a16="http://schemas.microsoft.com/office/drawing/2014/main" id="{1E68D5B2-A71E-2A47-87D5-0AE79F56941E}"/>
-              </a:ext>
-            </a:extLst>
-          </p:cNvPr>
-          <p:cNvSpPr/>
-          <p:nvPr/>
-        </p:nvSpPr>
-        <p:spPr>
-          <a:xfrm>
-            <a:off x="6623222" y="1207643"/>
-            <a:ext cx="1878227" cy="567390"/>
-          </a:xfrm>
-          <a:prstGeom prst="rect">
-            <a:avLst/>
-          </a:prstGeom>
-        </p:spPr>
-        <p:style>
-          <a:lnRef idx="2">
-            <a:schemeClr val="accent1">
-              <a:shade val="50000"/>
-            </a:schemeClr>
-          </a:lnRef>
-          <a:fillRef idx="1">
-            <a:schemeClr val="accent1"/>
-          </a:fillRef>
-          <a:effectRef idx="0">
-            <a:schemeClr val="accent1"/>
-          </a:effectRef>
-          <a:fontRef idx="minor">
-            <a:schemeClr val="lt1"/>
-          </a:fontRef>
-        </p:style>
-        <p:txBody>
-          <a:bodyPr rtlCol="0" anchor="ctr"/>
-          <a:lstStyle/>
-          <a:p>
-            <a:pPr algn="ctr"/>
-            <a:r>
-              <a:rPr lang="en-US" dirty="0"/>
-              <a:t>Logo &amp; Site Title</a:t>
-            </a:r>
-          </a:p>
-        </p:txBody>
-      </p:sp>
-      <p:sp>
-        <p:nvSpPr>
-          <p:cNvPr id="14" name="Rounded Rectangle 13">
-            <a:extLst>
-              <a:ext uri="{FF2B5EF4-FFF2-40B4-BE49-F238E27FC236}">
-                <a16:creationId xmlns:a16="http://schemas.microsoft.com/office/drawing/2014/main" id="{22C0DB47-22C9-4645-A00E-CFF6AAB46003}"/>
-              </a:ext>
-            </a:extLst>
-          </p:cNvPr>
-          <p:cNvSpPr/>
-          <p:nvPr/>
-        </p:nvSpPr>
-        <p:spPr>
-          <a:xfrm>
-            <a:off x="6429633" y="5389092"/>
-            <a:ext cx="5449329" cy="979272"/>
-          </a:xfrm>
-          <a:prstGeom prst="roundRect">
-            <a:avLst/>
-          </a:prstGeom>
-          <a:solidFill>
-            <a:schemeClr val="accent2"/>
-          </a:solidFill>
-        </p:spPr>
-        <p:style>
-          <a:lnRef idx="2">
-            <a:schemeClr val="accent1">
-              <a:shade val="50000"/>
-            </a:schemeClr>
-          </a:lnRef>
-          <a:fillRef idx="1">
-            <a:schemeClr val="accent1"/>
-          </a:fillRef>
-          <a:effectRef idx="0">
-            <a:schemeClr val="accent1"/>
-          </a:effectRef>
-          <a:fontRef idx="minor">
-            <a:schemeClr val="lt1"/>
-          </a:fontRef>
-        </p:style>
-        <p:txBody>
-          <a:bodyPr rtlCol="0" anchor="ctr"/>
-          <a:lstStyle/>
-          <a:p>
-            <a:pPr algn="ctr"/>
-            <a:r>
-              <a:rPr lang="en-US" dirty="0"/>
-              <a:t>Footer</a:t>
-            </a:r>
-          </a:p>
-          <a:p>
-            <a:pPr algn="ctr"/>
-            <a:r>
-              <a:rPr lang="en-US" dirty="0"/>
-              <a:t>return to list (link)</a:t>
-            </a:r>
-          </a:p>
-          <a:p>
-            <a:pPr algn="ctr"/>
-            <a:r>
-              <a:rPr lang="en-US" dirty="0"/>
-              <a:t>socials links/logos (</a:t>
-            </a:r>
-            <a:r>
-              <a:rPr lang="en-US" dirty="0" err="1"/>
-              <a:t>CaseyBook</a:t>
-            </a:r>
-            <a:r>
-              <a:rPr lang="en-US" dirty="0"/>
-              <a:t>)</a:t>
-            </a:r>
-          </a:p>
-        </p:txBody>
-      </p:sp>
-      <p:sp>
-        <p:nvSpPr>
-          <p:cNvPr id="12" name="Rounded Rectangle 11">
-            <a:extLst>
-              <a:ext uri="{FF2B5EF4-FFF2-40B4-BE49-F238E27FC236}">
-                <a16:creationId xmlns:a16="http://schemas.microsoft.com/office/drawing/2014/main" id="{065616F9-2BE3-9D42-AEC1-4EBC5F997506}"/>
-              </a:ext>
-            </a:extLst>
-          </p:cNvPr>
-          <p:cNvSpPr/>
-          <p:nvPr/>
-        </p:nvSpPr>
-        <p:spPr>
-          <a:xfrm>
-            <a:off x="8981303" y="1092142"/>
-            <a:ext cx="2747319" cy="231001"/>
-          </a:xfrm>
-          <a:prstGeom prst="roundRect">
-            <a:avLst/>
-          </a:prstGeom>
-          <a:solidFill>
-            <a:schemeClr val="accent6">
-              <a:lumMod val="75000"/>
-            </a:schemeClr>
-          </a:solidFill>
-        </p:spPr>
-        <p:style>
-          <a:lnRef idx="2">
-            <a:schemeClr val="accent1">
-              <a:shade val="50000"/>
-            </a:schemeClr>
-          </a:lnRef>
-          <a:fillRef idx="1">
-            <a:schemeClr val="accent1"/>
-          </a:fillRef>
-          <a:effectRef idx="0">
-            <a:schemeClr val="accent1"/>
-          </a:effectRef>
-          <a:fontRef idx="minor">
-            <a:schemeClr val="lt1"/>
-          </a:fontRef>
-        </p:style>
-        <p:txBody>
-          <a:bodyPr rtlCol="0" anchor="ctr"/>
-          <a:lstStyle/>
-          <a:p>
-            <a:pPr algn="ctr"/>
-            <a:r>
-              <a:rPr lang="en-US" sz="1000" dirty="0"/>
-              <a:t>Nav: Return to movie list (home) | Sign in/log in</a:t>
-            </a:r>
-            <a:endParaRPr lang="en-US" dirty="0"/>
-          </a:p>
-        </p:txBody>
-      </p:sp>
-    </p:spTree>
-    <p:extLst>
-      <p:ext uri="{BB962C8B-B14F-4D97-AF65-F5344CB8AC3E}">
-        <p14:creationId xmlns:p14="http://schemas.microsoft.com/office/powerpoint/2010/main" val="2530867001"/>
-      </p:ext>
-    </p:extLst>
-  </p:cSld>
-  <p:clrMapOvr>
-    <a:masterClrMapping/>
-  </p:clrMapOvr>
-</p:sld>
-</file>
-
-<file path=ppt/slides/slide7.xml><?xml version="1.0" encoding="utf-8"?>
-<p:sld xmlns:a="http://schemas.openxmlformats.org/drawingml/2006/main" xmlns:r="http://schemas.openxmlformats.org/officeDocument/2006/relationships" xmlns:p="http://schemas.openxmlformats.org/presentationml/2006/main">
-  <p:cSld>
-    <p:spTree>
-      <p:nvGrpSpPr>
-        <p:cNvPr id="1" name=""/>
-        <p:cNvGrpSpPr/>
-        <p:nvPr/>
-      </p:nvGrpSpPr>
-      <p:grpSpPr>
-        <a:xfrm>
-          <a:off x="0" y="0"/>
-          <a:ext cx="0" cy="0"/>
-          <a:chOff x="0" y="0"/>
-          <a:chExt cx="0" cy="0"/>
-        </a:xfrm>
-      </p:grpSpPr>
-      <p:pic>
-        <p:nvPicPr>
-          <p:cNvPr id="4" name="Picture 3">
-            <a:extLst>
-              <a:ext uri="{FF2B5EF4-FFF2-40B4-BE49-F238E27FC236}">
-                <a16:creationId xmlns:a16="http://schemas.microsoft.com/office/drawing/2014/main" id="{422BF79E-51E9-F04F-BFA7-FC905D21E53A}"/>
-              </a:ext>
-            </a:extLst>
-          </p:cNvPr>
-          <p:cNvPicPr>
-            <a:picLocks noChangeAspect="1"/>
-          </p:cNvPicPr>
-          <p:nvPr/>
-        </p:nvPicPr>
-        <p:blipFill>
-          <a:blip r:embed="rId2"/>
-          <a:stretch>
-            <a:fillRect/>
-          </a:stretch>
-        </p:blipFill>
-        <p:spPr>
-          <a:xfrm>
-            <a:off x="1675199" y="4044607"/>
-            <a:ext cx="8470900" cy="1536700"/>
-          </a:xfrm>
-          <a:prstGeom prst="rect">
-            <a:avLst/>
-          </a:prstGeom>
-        </p:spPr>
-      </p:pic>
-      <p:pic>
-        <p:nvPicPr>
-          <p:cNvPr id="5" name="Picture 4">
-            <a:extLst>
-              <a:ext uri="{FF2B5EF4-FFF2-40B4-BE49-F238E27FC236}">
-                <a16:creationId xmlns:a16="http://schemas.microsoft.com/office/drawing/2014/main" id="{47A7C742-49F3-F346-ABDB-4A155B452043}"/>
-              </a:ext>
-            </a:extLst>
-          </p:cNvPr>
-          <p:cNvPicPr>
-            <a:picLocks noChangeAspect="1"/>
-          </p:cNvPicPr>
-          <p:nvPr/>
-        </p:nvPicPr>
-        <p:blipFill>
-          <a:blip r:embed="rId3"/>
-          <a:stretch>
-            <a:fillRect/>
-          </a:stretch>
-        </p:blipFill>
-        <p:spPr>
-          <a:xfrm>
-            <a:off x="0" y="3206460"/>
-            <a:ext cx="12192000" cy="445080"/>
-          </a:xfrm>
-          <a:prstGeom prst="rect">
-            <a:avLst/>
-          </a:prstGeom>
-        </p:spPr>
-      </p:pic>
-    </p:spTree>
-    <p:extLst>
-      <p:ext uri="{BB962C8B-B14F-4D97-AF65-F5344CB8AC3E}">
-        <p14:creationId xmlns:p14="http://schemas.microsoft.com/office/powerpoint/2010/main" val="788270982"/>
-      </p:ext>
-    </p:extLst>
-  </p:cSld>
-  <p:clrMapOvr>
-    <a:masterClrMapping/>
-  </p:clrMapOvr>
-</p:sld>
-</file>
-
-<file path=ppt/slides/slide8.xml><?xml version="1.0" encoding="utf-8"?>
-<p:sld xmlns:a="http://schemas.openxmlformats.org/drawingml/2006/main" xmlns:r="http://schemas.openxmlformats.org/officeDocument/2006/relationships" xmlns:p="http://schemas.openxmlformats.org/presentationml/2006/main">
-  <p:cSld>
-    <p:spTree>
-      <p:nvGrpSpPr>
-        <p:cNvPr id="1" name=""/>
-        <p:cNvGrpSpPr/>
-        <p:nvPr/>
-      </p:nvGrpSpPr>
-      <p:grpSpPr>
-        <a:xfrm>
-          <a:off x="0" y="0"/>
-          <a:ext cx="0" cy="0"/>
-          <a:chOff x="0" y="0"/>
-          <a:chExt cx="0" cy="0"/>
-        </a:xfrm>
-      </p:grpSpPr>
       <p:grpSp>
         <p:nvGrpSpPr>
           <p:cNvPr id="12" name="Group 11">
@@ -7763,7 +7112,7 @@
         </p:nvGrpSpPr>
         <p:grpSpPr>
           <a:xfrm>
-            <a:off x="739346" y="259491"/>
+            <a:off x="0" y="583669"/>
             <a:ext cx="10713308" cy="1371600"/>
             <a:chOff x="1136822" y="1260389"/>
             <a:chExt cx="10713308" cy="1371600"/>
@@ -8132,8 +7481,8 @@
         </p:nvSpPr>
         <p:spPr>
           <a:xfrm>
-            <a:off x="3668304" y="2860588"/>
-            <a:ext cx="3092901" cy="691979"/>
+            <a:off x="2242229" y="2829241"/>
+            <a:ext cx="1546451" cy="1199517"/>
           </a:xfrm>
           <a:prstGeom prst="borderCallout2">
             <a:avLst>
@@ -8141,8 +7490,8 @@
               <a:gd name="adj2" fmla="val -742"/>
               <a:gd name="adj3" fmla="val 50893"/>
               <a:gd name="adj4" fmla="val -12672"/>
-              <a:gd name="adj5" fmla="val -215138"/>
-              <a:gd name="adj6" fmla="val -38661"/>
+              <a:gd name="adj5" fmla="val -90170"/>
+              <a:gd name="adj6" fmla="val -32845"/>
             </a:avLst>
           </a:prstGeom>
           <a:solidFill>
@@ -8217,17 +7566,17 @@
         </p:nvSpPr>
         <p:spPr>
           <a:xfrm>
-            <a:off x="5896639" y="4090085"/>
+            <a:off x="8717185" y="2216165"/>
             <a:ext cx="3092901" cy="2039003"/>
           </a:xfrm>
           <a:prstGeom prst="borderCallout2">
             <a:avLst>
-              <a:gd name="adj1" fmla="val 50893"/>
-              <a:gd name="adj2" fmla="val 99937"/>
-              <a:gd name="adj3" fmla="val 50893"/>
-              <a:gd name="adj4" fmla="val 109981"/>
-              <a:gd name="adj5" fmla="val -144199"/>
-              <a:gd name="adj6" fmla="val 133132"/>
+              <a:gd name="adj1" fmla="val 49423"/>
+              <a:gd name="adj2" fmla="val -388"/>
+              <a:gd name="adj3" fmla="val 49423"/>
+              <a:gd name="adj4" fmla="val -10216"/>
+              <a:gd name="adj5" fmla="val -35394"/>
+              <a:gd name="adj6" fmla="val -22930"/>
             </a:avLst>
           </a:prstGeom>
           <a:solidFill>
@@ -8305,8 +7654,8 @@
         </p:nvSpPr>
         <p:spPr>
           <a:xfrm>
-            <a:off x="6266933" y="1848940"/>
-            <a:ext cx="3092901" cy="888211"/>
+            <a:off x="4954856" y="2549867"/>
+            <a:ext cx="2282288" cy="1371600"/>
           </a:xfrm>
           <a:prstGeom prst="borderCallout2">
             <a:avLst>
@@ -8390,7 +7739,7 @@
         </p:nvSpPr>
         <p:spPr>
           <a:xfrm>
-            <a:off x="0" y="5934670"/>
+            <a:off x="0" y="18596"/>
             <a:ext cx="2014151" cy="923330"/>
           </a:xfrm>
           <a:prstGeom prst="rect">
@@ -8398,9 +7747,7 @@
           </a:prstGeom>
           <a:noFill/>
           <a:ln>
-            <a:solidFill>
-              <a:schemeClr val="accent1"/>
-            </a:solidFill>
+            <a:noFill/>
           </a:ln>
         </p:spPr>
         <p:txBody>
@@ -8432,7 +7779,7 @@
 </p:sld>
 </file>
 
-<file path=ppt/slides/slide9.xml><?xml version="1.0" encoding="utf-8"?>
+<file path=ppt/slides/slide7.xml><?xml version="1.0" encoding="utf-8"?>
 <p:sld xmlns:a="http://schemas.openxmlformats.org/drawingml/2006/main" xmlns:r="http://schemas.openxmlformats.org/officeDocument/2006/relationships" xmlns:p="http://schemas.openxmlformats.org/presentationml/2006/main">
   <p:cSld>
     <p:spTree>
@@ -8463,7 +7810,7 @@
         </p:nvSpPr>
         <p:spPr>
           <a:xfrm>
-            <a:off x="739346" y="259491"/>
+            <a:off x="0" y="544305"/>
             <a:ext cx="10713308" cy="1251664"/>
           </a:xfrm>
           <a:prstGeom prst="rect">
@@ -8512,7 +7859,7 @@
         </p:nvSpPr>
         <p:spPr>
           <a:xfrm>
-            <a:off x="739346" y="259489"/>
+            <a:off x="0" y="544303"/>
             <a:ext cx="1274805" cy="1251665"/>
           </a:xfrm>
           <a:prstGeom prst="rect">
@@ -8561,7 +7908,7 @@
         </p:nvSpPr>
         <p:spPr>
           <a:xfrm>
-            <a:off x="3411495" y="968074"/>
+            <a:off x="2672149" y="1252888"/>
             <a:ext cx="5369010" cy="312055"/>
           </a:xfrm>
           <a:prstGeom prst="rect">
@@ -8615,7 +7962,7 @@
         </p:nvSpPr>
         <p:spPr>
           <a:xfrm>
-            <a:off x="4195118" y="457755"/>
+            <a:off x="3455772" y="742569"/>
             <a:ext cx="3801764" cy="312055"/>
           </a:xfrm>
           <a:prstGeom prst="rect">
@@ -8669,7 +8016,7 @@
         </p:nvSpPr>
         <p:spPr>
           <a:xfrm>
-            <a:off x="2622298" y="2837316"/>
+            <a:off x="1658099" y="2158562"/>
             <a:ext cx="3092901" cy="691979"/>
           </a:xfrm>
           <a:prstGeom prst="borderCallout2">
@@ -8678,8 +8025,8 @@
               <a:gd name="adj2" fmla="val -742"/>
               <a:gd name="adj3" fmla="val 50893"/>
               <a:gd name="adj4" fmla="val -12672"/>
-              <a:gd name="adj5" fmla="val -215138"/>
-              <a:gd name="adj6" fmla="val -38661"/>
+              <a:gd name="adj5" fmla="val -93827"/>
+              <a:gd name="adj6" fmla="val -28483"/>
             </a:avLst>
           </a:prstGeom>
           <a:solidFill>
@@ -8754,7 +8101,7 @@
         </p:nvSpPr>
         <p:spPr>
           <a:xfrm>
-            <a:off x="0" y="5934670"/>
+            <a:off x="0" y="0"/>
             <a:ext cx="2014151" cy="923330"/>
           </a:xfrm>
           <a:prstGeom prst="rect">
@@ -8762,9 +8109,7 @@
           </a:prstGeom>
           <a:noFill/>
           <a:ln>
-            <a:solidFill>
-              <a:schemeClr val="accent1"/>
-            </a:solidFill>
+            <a:noFill/>
           </a:ln>
         </p:spPr>
         <p:txBody>
@@ -8797,7 +8142,7 @@
         </p:nvSpPr>
         <p:spPr>
           <a:xfrm>
-            <a:off x="6724542" y="2967335"/>
+            <a:off x="5894551" y="2042886"/>
             <a:ext cx="3092901" cy="923330"/>
           </a:xfrm>
           <a:prstGeom prst="borderCallout2">
@@ -8806,8 +8151,8 @@
               <a:gd name="adj2" fmla="val 99937"/>
               <a:gd name="adj3" fmla="val 50893"/>
               <a:gd name="adj4" fmla="val 109981"/>
-              <a:gd name="adj5" fmla="val -194448"/>
-              <a:gd name="adj6" fmla="val 121546"/>
+              <a:gd name="adj5" fmla="val -74310"/>
+              <a:gd name="adj6" fmla="val 128331"/>
             </a:avLst>
           </a:prstGeom>
           <a:solidFill>
@@ -8856,6 +8201,141 @@
     <p:extLst>
       <p:ext uri="{BB962C8B-B14F-4D97-AF65-F5344CB8AC3E}">
         <p14:creationId xmlns:p14="http://schemas.microsoft.com/office/powerpoint/2010/main" val="4032582730"/>
+      </p:ext>
+    </p:extLst>
+  </p:cSld>
+  <p:clrMapOvr>
+    <a:masterClrMapping/>
+  </p:clrMapOvr>
+</p:sld>
+</file>
+
+<file path=ppt/slides/slide8.xml><?xml version="1.0" encoding="utf-8"?>
+<p:sld xmlns:a="http://schemas.openxmlformats.org/drawingml/2006/main" xmlns:r="http://schemas.openxmlformats.org/officeDocument/2006/relationships" xmlns:p="http://schemas.openxmlformats.org/presentationml/2006/main">
+  <p:cSld>
+    <p:spTree>
+      <p:nvGrpSpPr>
+        <p:cNvPr id="1" name=""/>
+        <p:cNvGrpSpPr/>
+        <p:nvPr/>
+      </p:nvGrpSpPr>
+      <p:grpSpPr>
+        <a:xfrm>
+          <a:off x="0" y="0"/>
+          <a:ext cx="0" cy="0"/>
+          <a:chOff x="0" y="0"/>
+          <a:chExt cx="0" cy="0"/>
+        </a:xfrm>
+      </p:grpSpPr>
+      <p:pic>
+        <p:nvPicPr>
+          <p:cNvPr id="4" name="Picture 3">
+            <a:extLst>
+              <a:ext uri="{FF2B5EF4-FFF2-40B4-BE49-F238E27FC236}">
+                <a16:creationId xmlns:a16="http://schemas.microsoft.com/office/drawing/2014/main" id="{422BF79E-51E9-F04F-BFA7-FC905D21E53A}"/>
+              </a:ext>
+            </a:extLst>
+          </p:cNvPr>
+          <p:cNvPicPr>
+            <a:picLocks noChangeAspect="1"/>
+          </p:cNvPicPr>
+          <p:nvPr/>
+        </p:nvPicPr>
+        <p:blipFill>
+          <a:blip r:embed="rId2"/>
+          <a:stretch>
+            <a:fillRect/>
+          </a:stretch>
+        </p:blipFill>
+        <p:spPr>
+          <a:xfrm>
+            <a:off x="1675199" y="1538937"/>
+            <a:ext cx="8470900" cy="1536700"/>
+          </a:xfrm>
+          <a:prstGeom prst="rect">
+            <a:avLst/>
+          </a:prstGeom>
+        </p:spPr>
+      </p:pic>
+      <p:pic>
+        <p:nvPicPr>
+          <p:cNvPr id="5" name="Picture 4">
+            <a:extLst>
+              <a:ext uri="{FF2B5EF4-FFF2-40B4-BE49-F238E27FC236}">
+                <a16:creationId xmlns:a16="http://schemas.microsoft.com/office/drawing/2014/main" id="{47A7C742-49F3-F346-ABDB-4A155B452043}"/>
+              </a:ext>
+            </a:extLst>
+          </p:cNvPr>
+          <p:cNvPicPr>
+            <a:picLocks noChangeAspect="1"/>
+          </p:cNvPicPr>
+          <p:nvPr/>
+        </p:nvPicPr>
+        <p:blipFill>
+          <a:blip r:embed="rId3"/>
+          <a:stretch>
+            <a:fillRect/>
+          </a:stretch>
+        </p:blipFill>
+        <p:spPr>
+          <a:xfrm>
+            <a:off x="0" y="700790"/>
+            <a:ext cx="12192000" cy="445080"/>
+          </a:xfrm>
+          <a:prstGeom prst="rect">
+            <a:avLst/>
+          </a:prstGeom>
+        </p:spPr>
+      </p:pic>
+      <p:sp>
+        <p:nvSpPr>
+          <p:cNvPr id="6" name="TextBox 5">
+            <a:extLst>
+              <a:ext uri="{FF2B5EF4-FFF2-40B4-BE49-F238E27FC236}">
+                <a16:creationId xmlns:a16="http://schemas.microsoft.com/office/drawing/2014/main" id="{6D24D029-DAC5-DC48-BD45-815E83EFBADD}"/>
+              </a:ext>
+            </a:extLst>
+          </p:cNvPr>
+          <p:cNvSpPr txBox="1"/>
+          <p:nvPr/>
+        </p:nvSpPr>
+        <p:spPr>
+          <a:xfrm>
+            <a:off x="0" y="0"/>
+            <a:ext cx="3867462" cy="923330"/>
+          </a:xfrm>
+          <a:prstGeom prst="rect">
+            <a:avLst/>
+          </a:prstGeom>
+          <a:noFill/>
+          <a:ln>
+            <a:noFill/>
+          </a:ln>
+        </p:spPr>
+        <p:txBody>
+          <a:bodyPr wrap="square" rtlCol="0">
+            <a:spAutoFit/>
+          </a:bodyPr>
+          <a:lstStyle/>
+          <a:p>
+            <a:r>
+              <a:rPr lang="en-US" sz="3600" b="1" dirty="0" err="1"/>
+              <a:t>imdb</a:t>
+            </a:r>
+            <a:r>
+              <a:rPr lang="en-US" sz="3600" b="1" dirty="0"/>
+              <a:t> color scheme</a:t>
+            </a:r>
+          </a:p>
+          <a:p>
+            <a:endParaRPr lang="en-US" dirty="0"/>
+          </a:p>
+        </p:txBody>
+      </p:sp>
+    </p:spTree>
+    <p:extLst>
+      <p:ext uri="{BB962C8B-B14F-4D97-AF65-F5344CB8AC3E}">
+        <p14:creationId xmlns:p14="http://schemas.microsoft.com/office/powerpoint/2010/main" val="788270982"/>
       </p:ext>
     </p:extLst>
   </p:cSld>
